--- a/swbproys/gestor-bsc/doc/weekly/01_Mgmt/01_MgmtMeeting .pptx
+++ b/swbproys/gestor-bsc/doc/weekly/01_Mgmt/01_MgmtMeeting .pptx
@@ -197,7 +197,7 @@
             <a:fld id="{3CE372B8-2E53-484C-8B7F-54F78E2D9E22}" type="datetimeFigureOut">
               <a:rPr lang="es-ES" smtClean="0"/>
               <a:pPr/>
-              <a:t>18/06/2013</a:t>
+              <a:t>04/07/2013</a:t>
             </a:fld>
             <a:endParaRPr lang="es-ES" dirty="0"/>
           </a:p>
@@ -1281,7 +1281,7 @@
             <a:fld id="{51C80118-41D1-4E4B-BB3C-54E92F8A1FEA}" type="datetimeFigureOut">
               <a:rPr lang="es-MX" smtClean="0"/>
               <a:pPr/>
-              <a:t>18/06/2013</a:t>
+              <a:t>04/07/2013</a:t>
             </a:fld>
             <a:endParaRPr lang="es-MX" dirty="0"/>
           </a:p>
@@ -2898,23 +2898,11 @@
             </a:pPr>
             <a:r>
               <a:rPr lang="es-ES" sz="1400" b="1" dirty="0" smtClean="0"/>
-              <a:t>Avance Actual: </a:t>
-            </a:r>
-            <a:r>
-              <a:rPr lang="es-ES" sz="1400" b="1" dirty="0" smtClean="0"/>
-              <a:t>3.03 </a:t>
-            </a:r>
-            <a:r>
-              <a:rPr lang="es-ES" sz="1400" b="1" dirty="0" smtClean="0"/>
-              <a:t>%</a:t>
+              <a:t>Avance Actual: 3.03 %</a:t>
             </a:r>
             <a:r>
               <a:rPr lang="es-ES" sz="1400" dirty="0" smtClean="0"/>
-              <a:t>     </a:t>
-            </a:r>
-            <a:r>
-              <a:rPr lang="es-ES" sz="1400" dirty="0" smtClean="0"/>
-              <a:t>            </a:t>
+              <a:t>                 </a:t>
             </a:r>
             <a:r>
               <a:rPr lang="es-ES" sz="1400" b="1" dirty="0" smtClean="0"/>
@@ -2930,23 +2918,11 @@
             </a:r>
             <a:r>
               <a:rPr lang="es-ES" sz="1400" b="1" dirty="0"/>
-              <a:t>:  </a:t>
-            </a:r>
-            <a:r>
-              <a:rPr lang="es-ES" sz="1400" b="1" dirty="0"/>
-              <a:t>Atrasado </a:t>
+              <a:t>:  Atrasado </a:t>
             </a:r>
             <a:r>
               <a:rPr lang="es-ES" sz="1400" b="1" dirty="0" smtClean="0"/>
-              <a:t>47%             </a:t>
-            </a:r>
-            <a:r>
-              <a:rPr lang="es-ES" sz="1400" b="1" dirty="0" smtClean="0"/>
-              <a:t>Horas:  </a:t>
-            </a:r>
-            <a:r>
-              <a:rPr lang="es-ES" sz="1400" b="1" dirty="0" smtClean="0"/>
-              <a:t>63% de atraso</a:t>
+              <a:t>47%             Horas:  63% de atraso</a:t>
             </a:r>
             <a:endParaRPr lang="es-ES" sz="1400" b="1" dirty="0"/>
           </a:p>
@@ -2991,11 +2967,7 @@
             </a:pPr>
             <a:r>
               <a:rPr lang="es-MX" sz="1100" b="1" dirty="0"/>
-              <a:t>Fecha </a:t>
-            </a:r>
-            <a:r>
-              <a:rPr lang="es-MX" sz="1100" b="1" dirty="0"/>
-              <a:t> Plan - Inicio: 03/06/2013  </a:t>
+              <a:t>Fecha  Plan - Inicio: 03/06/2013  </a:t>
             </a:r>
             <a:endParaRPr lang="es-ES" sz="1100" b="1" dirty="0"/>
           </a:p>
@@ -3040,13 +3012,8 @@
             </a:pPr>
             <a:r>
               <a:rPr lang="es-ES" sz="1100" b="1" dirty="0"/>
-              <a:t>Fecha del Reporte:  </a:t>
-            </a:r>
-            <a:r>
-              <a:rPr lang="es-ES" sz="1100" b="1" dirty="0"/>
-              <a:t>18/06/2013</a:t>
-            </a:r>
-            <a:endParaRPr lang="es-ES" sz="1100" b="1" dirty="0"/>
+              <a:t>Fecha del Reporte:  18/06/2013</a:t>
+            </a:r>
           </a:p>
         </p:txBody>
       </p:sp>
@@ -3143,15 +3110,11 @@
             </a:pPr>
             <a:r>
               <a:rPr lang="es-MX" sz="1100" b="1" dirty="0" smtClean="0"/>
-              <a:t>Fecha fin </a:t>
+              <a:t>Fecha fin actual:                 </a:t>
             </a:r>
             <a:r>
               <a:rPr lang="es-MX" sz="1100" b="1" dirty="0" smtClean="0"/>
-              <a:t>actual</a:t>
-            </a:r>
-            <a:r>
-              <a:rPr lang="es-MX" sz="1100" b="1" dirty="0" smtClean="0"/>
-              <a:t>:                 11/11/2012  </a:t>
+              <a:t>11/11/2013  </a:t>
             </a:r>
             <a:endParaRPr lang="es-ES" sz="1100" dirty="0"/>
           </a:p>
@@ -3241,7 +3204,11 @@
             </a:pPr>
             <a:r>
               <a:rPr lang="es-MX" sz="1100" b="1" dirty="0" smtClean="0"/>
-              <a:t>Fecha fin planeada:            4/11/2012  </a:t>
+              <a:t>Fecha fin planeada:            </a:t>
+            </a:r>
+            <a:r>
+              <a:rPr lang="es-MX" sz="1100" b="1" dirty="0" smtClean="0"/>
+              <a:t>4/11/2013  </a:t>
             </a:r>
             <a:endParaRPr lang="es-ES" sz="1100" dirty="0"/>
           </a:p>
@@ -4010,15 +3977,7 @@
                       </a:pPr>
                       <a:r>
                         <a:rPr lang="es-MX" sz="1600" dirty="0" smtClean="0"/>
-                        <a:t>Invertir </a:t>
-                      </a:r>
-                      <a:r>
-                        <a:rPr lang="es-MX" sz="1600" dirty="0" smtClean="0"/>
-                        <a:t>mas horas de </a:t>
-                      </a:r>
-                      <a:r>
-                        <a:rPr lang="es-MX" sz="1600" dirty="0" smtClean="0"/>
-                        <a:t>recuperación (incrementar las </a:t>
+                        <a:t>Invertir mas horas de recuperación (incrementar las </a:t>
                       </a:r>
                       <a:r>
                         <a:rPr lang="es-MX" sz="1600" dirty="0" err="1" smtClean="0"/>
@@ -4065,7 +4024,6 @@
                         <a:rPr lang="es-MX" sz="1700" dirty="0" smtClean="0"/>
                         <a:t>15/07/2013</a:t>
                       </a:r>
-                      <a:endParaRPr lang="es-MX" sz="1700" dirty="0" smtClean="0"/>
                     </a:p>
                   </a:txBody>
                   <a:tcPr/>
